--- a/卒業論文/2014/森谷慧士/卒論中間発表ポスター.pptx
+++ b/卒業論文/2014/森谷慧士/卒論中間発表ポスター.pptx
@@ -104,6 +104,22 @@
       </a:defRPr>
     </a:lvl9pPr>
   </p:defaultTextStyle>
+  <p:extLst>
+    <p:ext uri="{EFAFB233-063F-42B5-8137-9DF3F51BA10A}">
+      <p15:sldGuideLst xmlns:p15="http://schemas.microsoft.com/office/powerpoint/2012/main">
+        <p15:guide id="1" orient="horz" pos="2880">
+          <p15:clr>
+            <a:srgbClr val="A4A3A4"/>
+          </p15:clr>
+        </p15:guide>
+        <p15:guide id="2" pos="2160">
+          <p15:clr>
+            <a:srgbClr val="A4A3A4"/>
+          </p15:clr>
+        </p15:guide>
+      </p15:sldGuideLst>
+    </p:ext>
+  </p:extLst>
 </p:presentation>
 </file>
 
@@ -288,7 +304,7 @@
           <a:p>
             <a:fld id="{A157BA37-E345-4782-84BA-8FCF7DC02401}" type="datetimeFigureOut">
               <a:rPr kumimoji="1" lang="ja-JP" altLang="en-US" smtClean="0"/>
-              <a:t>2015/10/5</a:t>
+              <a:t>2015/10/7</a:t>
             </a:fld>
             <a:endParaRPr kumimoji="1" lang="ja-JP" altLang="en-US"/>
           </a:p>
@@ -490,7 +506,7 @@
           <a:p>
             <a:fld id="{A157BA37-E345-4782-84BA-8FCF7DC02401}" type="datetimeFigureOut">
               <a:rPr kumimoji="1" lang="ja-JP" altLang="en-US" smtClean="0"/>
-              <a:t>2015/10/5</a:t>
+              <a:t>2015/10/7</a:t>
             </a:fld>
             <a:endParaRPr kumimoji="1" lang="ja-JP" altLang="en-US"/>
           </a:p>
@@ -702,7 +718,7 @@
           <a:p>
             <a:fld id="{A157BA37-E345-4782-84BA-8FCF7DC02401}" type="datetimeFigureOut">
               <a:rPr kumimoji="1" lang="ja-JP" altLang="en-US" smtClean="0"/>
-              <a:t>2015/10/5</a:t>
+              <a:t>2015/10/7</a:t>
             </a:fld>
             <a:endParaRPr kumimoji="1" lang="ja-JP" altLang="en-US"/>
           </a:p>
@@ -904,7 +920,7 @@
           <a:p>
             <a:fld id="{A157BA37-E345-4782-84BA-8FCF7DC02401}" type="datetimeFigureOut">
               <a:rPr kumimoji="1" lang="ja-JP" altLang="en-US" smtClean="0"/>
-              <a:t>2015/10/5</a:t>
+              <a:t>2015/10/7</a:t>
             </a:fld>
             <a:endParaRPr kumimoji="1" lang="ja-JP" altLang="en-US"/>
           </a:p>
@@ -1150,7 +1166,7 @@
           <a:p>
             <a:fld id="{A157BA37-E345-4782-84BA-8FCF7DC02401}" type="datetimeFigureOut">
               <a:rPr kumimoji="1" lang="ja-JP" altLang="en-US" smtClean="0"/>
-              <a:t>2015/10/5</a:t>
+              <a:t>2015/10/7</a:t>
             </a:fld>
             <a:endParaRPr kumimoji="1" lang="ja-JP" altLang="en-US"/>
           </a:p>
@@ -1502,7 +1518,7 @@
           <a:p>
             <a:fld id="{A157BA37-E345-4782-84BA-8FCF7DC02401}" type="datetimeFigureOut">
               <a:rPr kumimoji="1" lang="ja-JP" altLang="en-US" smtClean="0"/>
-              <a:t>2015/10/5</a:t>
+              <a:t>2015/10/7</a:t>
             </a:fld>
             <a:endParaRPr kumimoji="1" lang="ja-JP" altLang="en-US"/>
           </a:p>
@@ -1993,7 +2009,7 @@
           <a:p>
             <a:fld id="{A157BA37-E345-4782-84BA-8FCF7DC02401}" type="datetimeFigureOut">
               <a:rPr kumimoji="1" lang="ja-JP" altLang="en-US" smtClean="0"/>
-              <a:t>2015/10/5</a:t>
+              <a:t>2015/10/7</a:t>
             </a:fld>
             <a:endParaRPr kumimoji="1" lang="ja-JP" altLang="en-US"/>
           </a:p>
@@ -2111,7 +2127,7 @@
           <a:p>
             <a:fld id="{A157BA37-E345-4782-84BA-8FCF7DC02401}" type="datetimeFigureOut">
               <a:rPr kumimoji="1" lang="ja-JP" altLang="en-US" smtClean="0"/>
-              <a:t>2015/10/5</a:t>
+              <a:t>2015/10/7</a:t>
             </a:fld>
             <a:endParaRPr kumimoji="1" lang="ja-JP" altLang="en-US"/>
           </a:p>
@@ -2206,7 +2222,7 @@
           <a:p>
             <a:fld id="{A157BA37-E345-4782-84BA-8FCF7DC02401}" type="datetimeFigureOut">
               <a:rPr kumimoji="1" lang="ja-JP" altLang="en-US" smtClean="0"/>
-              <a:t>2015/10/5</a:t>
+              <a:t>2015/10/7</a:t>
             </a:fld>
             <a:endParaRPr kumimoji="1" lang="ja-JP" altLang="en-US"/>
           </a:p>
@@ -2515,7 +2531,7 @@
           <a:p>
             <a:fld id="{A157BA37-E345-4782-84BA-8FCF7DC02401}" type="datetimeFigureOut">
               <a:rPr kumimoji="1" lang="ja-JP" altLang="en-US" smtClean="0"/>
-              <a:t>2015/10/5</a:t>
+              <a:t>2015/10/7</a:t>
             </a:fld>
             <a:endParaRPr kumimoji="1" lang="ja-JP" altLang="en-US"/>
           </a:p>
@@ -2768,7 +2784,7 @@
           <a:p>
             <a:fld id="{A157BA37-E345-4782-84BA-8FCF7DC02401}" type="datetimeFigureOut">
               <a:rPr kumimoji="1" lang="ja-JP" altLang="en-US" smtClean="0"/>
-              <a:t>2015/10/5</a:t>
+              <a:t>2015/10/7</a:t>
             </a:fld>
             <a:endParaRPr kumimoji="1" lang="ja-JP" altLang="en-US"/>
           </a:p>
@@ -3013,7 +3029,7 @@
           <a:p>
             <a:fld id="{A157BA37-E345-4782-84BA-8FCF7DC02401}" type="datetimeFigureOut">
               <a:rPr kumimoji="1" lang="ja-JP" altLang="en-US" smtClean="0"/>
-              <a:t>2015/10/5</a:t>
+              <a:t>2015/10/7</a:t>
             </a:fld>
             <a:endParaRPr kumimoji="1" lang="ja-JP" altLang="en-US"/>
           </a:p>
@@ -4030,7 +4046,11 @@
           <a:p>
             <a:r>
               <a:rPr kumimoji="1" lang="ja-JP" altLang="en-US" sz="1200" dirty="0" smtClean="0"/>
-              <a:t>ビジネス内での様々なシステムに人工知能が導入され始めている</a:t>
+              <a:t>ビジネス内での様々なシステムに人工知能が導入され始めて</a:t>
+            </a:r>
+            <a:r>
+              <a:rPr kumimoji="1" lang="ja-JP" altLang="en-US" sz="1200" dirty="0" smtClean="0"/>
+              <a:t>いる．</a:t>
             </a:r>
             <a:endParaRPr kumimoji="1" lang="en-US" altLang="ja-JP" sz="1200" dirty="0" smtClean="0"/>
           </a:p>
@@ -4076,7 +4096,11 @@
             </a:r>
             <a:r>
               <a:rPr lang="ja-JP" altLang="en-US" sz="1200" dirty="0" smtClean="0"/>
-              <a:t>するプロセスを人工知能に導入する研究</a:t>
+              <a:t>するプロセスを人工知能に導入する</a:t>
+            </a:r>
+            <a:r>
+              <a:rPr lang="ja-JP" altLang="en-US" sz="1200" dirty="0" smtClean="0"/>
+              <a:t>研究が進められている．</a:t>
             </a:r>
             <a:endParaRPr lang="en-US" altLang="ja-JP" sz="1200" dirty="0" smtClean="0"/>
           </a:p>
@@ -4097,8 +4121,8 @@
         </p:nvSpPr>
         <p:spPr>
           <a:xfrm>
-            <a:off x="3466036" y="1950400"/>
-            <a:ext cx="2869117" cy="461665"/>
+            <a:off x="3451206" y="1864582"/>
+            <a:ext cx="2869117" cy="646331"/>
           </a:xfrm>
           <a:prstGeom prst="rect">
             <a:avLst/>
@@ -4118,7 +4142,11 @@
           <a:p>
             <a:r>
               <a:rPr kumimoji="1" lang="ja-JP" altLang="en-US" sz="1200" dirty="0" smtClean="0"/>
-              <a:t>人工知能を活用した革新的なものづくり</a:t>
+              <a:t>人工知能を活用した革新的な</a:t>
+            </a:r>
+            <a:r>
+              <a:rPr kumimoji="1" lang="ja-JP" altLang="en-US" sz="1200" dirty="0" smtClean="0"/>
+              <a:t>ものづくりが進められている．</a:t>
             </a:r>
             <a:endParaRPr kumimoji="1" lang="en-US" altLang="ja-JP" sz="1200" dirty="0" smtClean="0"/>
           </a:p>
@@ -4168,7 +4196,11 @@
           <a:p>
             <a:r>
               <a:rPr lang="ja-JP" altLang="en-US" sz="1200" dirty="0" smtClean="0"/>
-              <a:t>本研究では、</a:t>
+              <a:t>本研究で</a:t>
+            </a:r>
+            <a:r>
+              <a:rPr lang="ja-JP" altLang="en-US" sz="1200" dirty="0" smtClean="0"/>
+              <a:t>は，</a:t>
             </a:r>
             <a:r>
               <a:rPr lang="en-US" altLang="ja-JP" sz="1200" dirty="0" smtClean="0"/>
@@ -4176,7 +4208,19 @@
             </a:r>
             <a:r>
               <a:rPr lang="ja-JP" altLang="en-US" sz="1200" dirty="0" smtClean="0"/>
-              <a:t>という数式処理システムを使用する。数学の入試問題を処理させ、</a:t>
+              <a:t>という数式処理システムを使用</a:t>
+            </a:r>
+            <a:r>
+              <a:rPr lang="ja-JP" altLang="en-US" sz="1200" dirty="0" smtClean="0"/>
+              <a:t>する．数学</a:t>
+            </a:r>
+            <a:r>
+              <a:rPr lang="ja-JP" altLang="en-US" sz="1200" dirty="0" smtClean="0"/>
+              <a:t>の入試問題を処理</a:t>
+            </a:r>
+            <a:r>
+              <a:rPr lang="ja-JP" altLang="en-US" sz="1200" dirty="0" smtClean="0"/>
+              <a:t>させ，</a:t>
             </a:r>
             <a:r>
               <a:rPr lang="en-US" altLang="ja-JP" sz="1200" dirty="0" smtClean="0"/>
@@ -4184,7 +4228,11 @@
             </a:r>
             <a:r>
               <a:rPr lang="ja-JP" altLang="en-US" sz="1200" dirty="0" smtClean="0"/>
-              <a:t>に与える命令は何かを調査する。</a:t>
+              <a:t>に与える命令は何かを調査</a:t>
+            </a:r>
+            <a:r>
+              <a:rPr lang="ja-JP" altLang="en-US" sz="1200" dirty="0" smtClean="0"/>
+              <a:t>する．</a:t>
             </a:r>
             <a:endParaRPr kumimoji="1" lang="ja-JP" altLang="en-US" sz="1200" dirty="0"/>
           </a:p>
@@ -4929,7 +4977,15 @@
               </a:r>
               <a:r>
                 <a:rPr lang="ja-JP" altLang="en-US" sz="1200" dirty="0" smtClean="0"/>
-                <a:t>で、新しく使用するコードや数学的知識の種類は減少すると考えられる。</a:t>
+                <a:t>で，新しく</a:t>
+              </a:r>
+              <a:r>
+                <a:rPr lang="ja-JP" altLang="en-US" sz="1200" dirty="0" smtClean="0"/>
+                <a:t>使用するコードや数学的知識の種類は減少すると</a:t>
+              </a:r>
+              <a:r>
+                <a:rPr lang="ja-JP" altLang="en-US" sz="1200" dirty="0" smtClean="0"/>
+                <a:t>考えられる．</a:t>
               </a:r>
               <a:endParaRPr kumimoji="1" lang="ja-JP" altLang="en-US" sz="1200" dirty="0"/>
             </a:p>
@@ -4989,7 +5045,11 @@
             </a:r>
             <a:r>
               <a:rPr lang="ja-JP" altLang="en-US" sz="1200" dirty="0" smtClean="0"/>
-              <a:t>に処理させる</a:t>
+              <a:t>に処理</a:t>
+            </a:r>
+            <a:r>
+              <a:rPr lang="ja-JP" altLang="en-US" sz="1200" dirty="0" smtClean="0"/>
+              <a:t>させる．</a:t>
             </a:r>
             <a:endParaRPr lang="ja-JP" altLang="en-US" sz="1200" dirty="0"/>
           </a:p>
@@ -5024,7 +5084,19 @@
           <a:p>
             <a:r>
               <a:rPr lang="ja-JP" altLang="en-US" sz="1200" dirty="0" smtClean="0"/>
-              <a:t>使用したコードの数と、異様した数学的知識を集計しグラフ化する。</a:t>
+              <a:t>使用したコードの数</a:t>
+            </a:r>
+            <a:r>
+              <a:rPr lang="ja-JP" altLang="en-US" sz="1200" dirty="0" smtClean="0"/>
+              <a:t>と，異様</a:t>
+            </a:r>
+            <a:r>
+              <a:rPr lang="ja-JP" altLang="en-US" sz="1200" dirty="0" smtClean="0"/>
+              <a:t>した数学的知識を集計しグラフ化</a:t>
+            </a:r>
+            <a:r>
+              <a:rPr lang="ja-JP" altLang="en-US" sz="1200" dirty="0" smtClean="0"/>
+              <a:t>する．</a:t>
             </a:r>
             <a:endParaRPr lang="ja-JP" altLang="en-US" sz="1200" dirty="0"/>
           </a:p>
@@ -5071,7 +5143,19 @@
             </a:r>
             <a:r>
               <a:rPr lang="ja-JP" altLang="en-US" sz="1200" dirty="0" smtClean="0"/>
-              <a:t>年までの問題を処理させた。新しく使用するコードはほぼゼロに近くなっている。</a:t>
+              <a:t>年までの問題を処理</a:t>
+            </a:r>
+            <a:r>
+              <a:rPr lang="ja-JP" altLang="en-US" sz="1200" dirty="0" smtClean="0"/>
+              <a:t>させた新しく</a:t>
+            </a:r>
+            <a:r>
+              <a:rPr lang="ja-JP" altLang="en-US" sz="1200" dirty="0" smtClean="0"/>
+              <a:t>使用するコードはほぼゼロに近くなって</a:t>
+            </a:r>
+            <a:r>
+              <a:rPr lang="ja-JP" altLang="en-US" sz="1200" dirty="0" smtClean="0"/>
+              <a:t>いる．</a:t>
             </a:r>
             <a:endParaRPr lang="ja-JP" altLang="en-US" sz="1200" dirty="0"/>
           </a:p>
@@ -5106,7 +5190,11 @@
           <a:p>
             <a:r>
               <a:rPr lang="ja-JP" altLang="en-US" sz="1200" dirty="0" smtClean="0"/>
-              <a:t>引き続き、大学入試センター試験の数学１・</a:t>
+              <a:t>引き続き，大学</a:t>
+            </a:r>
+            <a:r>
+              <a:rPr lang="ja-JP" altLang="en-US" sz="1200" dirty="0" smtClean="0"/>
+              <a:t>入試センター試験の数学１・</a:t>
             </a:r>
             <a:r>
               <a:rPr lang="en-US" altLang="ja-JP" sz="1200" dirty="0" smtClean="0"/>
@@ -5122,7 +5210,19 @@
             </a:r>
             <a:r>
               <a:rPr lang="ja-JP" altLang="en-US" sz="1200" dirty="0" smtClean="0"/>
-              <a:t>に処理させ、新しく使用するコードがゼロになるまで実験を続ける。</a:t>
+              <a:t>に処理</a:t>
+            </a:r>
+            <a:r>
+              <a:rPr lang="ja-JP" altLang="en-US" sz="1200" dirty="0" smtClean="0"/>
+              <a:t>させ，新しく</a:t>
+            </a:r>
+            <a:r>
+              <a:rPr lang="ja-JP" altLang="en-US" sz="1200" dirty="0" smtClean="0"/>
+              <a:t>使用するコードがゼロになるまで実験を</a:t>
+            </a:r>
+            <a:r>
+              <a:rPr lang="ja-JP" altLang="en-US" sz="1200" dirty="0" smtClean="0"/>
+              <a:t>続ける．</a:t>
             </a:r>
             <a:endParaRPr lang="ja-JP" altLang="en-US" sz="1200" dirty="0"/>
           </a:p>
